--- a/Presentation materials/Project 0 Presentation.pptx
+++ b/Presentation materials/Project 0 Presentation.pptx
@@ -5,10 +5,10 @@
     <p:sldMasterId id="2147483648" r:id="rId4"/>
   </p:sldMasterIdLst>
   <p:notesMasterIdLst>
-    <p:notesMasterId r:id="rId13"/>
+    <p:notesMasterId r:id="rId14"/>
   </p:notesMasterIdLst>
   <p:handoutMasterIdLst>
-    <p:handoutMasterId r:id="rId14"/>
+    <p:handoutMasterId r:id="rId15"/>
   </p:handoutMasterIdLst>
   <p:sldIdLst>
     <p:sldId id="314" r:id="rId5"/>
@@ -16,9 +16,10 @@
     <p:sldId id="334" r:id="rId7"/>
     <p:sldId id="343" r:id="rId8"/>
     <p:sldId id="339" r:id="rId9"/>
-    <p:sldId id="341" r:id="rId10"/>
+    <p:sldId id="344" r:id="rId10"/>
     <p:sldId id="322" r:id="rId11"/>
-    <p:sldId id="331" r:id="rId12"/>
+    <p:sldId id="341" r:id="rId12"/>
+    <p:sldId id="331" r:id="rId13"/>
   </p:sldIdLst>
   <p:sldSz cx="12192000" cy="6858000"/>
   <p:notesSz cx="6858000" cy="9144000"/>
@@ -1266,7 +1267,13 @@
   <p:cSld>
     <p:spTree>
       <p:nvGrpSpPr>
-        <p:cNvPr id="1" name=""/>
+        <p:cNvPr id="1" name="">
+          <a:extLst>
+            <a:ext uri="{FF2B5EF4-FFF2-40B4-BE49-F238E27FC236}">
+              <a16:creationId xmlns:a16="http://schemas.microsoft.com/office/drawing/2014/main" id="{972AA71B-F609-3D85-812B-F1EA56F319C9}"/>
+            </a:ext>
+          </a:extLst>
+        </p:cNvPr>
         <p:cNvGrpSpPr/>
         <p:nvPr/>
       </p:nvGrpSpPr>
@@ -1280,7 +1287,13 @@
       </p:grpSpPr>
       <p:sp>
         <p:nvSpPr>
-          <p:cNvPr id="2" name="Slide Image Placeholder 1"/>
+          <p:cNvPr id="2" name="Slide Image Placeholder 1">
+            <a:extLst>
+              <a:ext uri="{FF2B5EF4-FFF2-40B4-BE49-F238E27FC236}">
+                <a16:creationId xmlns:a16="http://schemas.microsoft.com/office/drawing/2014/main" id="{92221FE3-CC58-59CA-BCA4-16FD3AC1DDDE}"/>
+              </a:ext>
+            </a:extLst>
+          </p:cNvPr>
           <p:cNvSpPr>
             <a:spLocks noGrp="1" noRot="1" noChangeAspect="1"/>
           </p:cNvSpPr>
@@ -1292,7 +1305,13 @@
       </p:sp>
       <p:sp>
         <p:nvSpPr>
-          <p:cNvPr id="3" name="Notes Placeholder 2"/>
+          <p:cNvPr id="3" name="Notes Placeholder 2">
+            <a:extLst>
+              <a:ext uri="{FF2B5EF4-FFF2-40B4-BE49-F238E27FC236}">
+                <a16:creationId xmlns:a16="http://schemas.microsoft.com/office/drawing/2014/main" id="{27F95A1D-6537-4E98-22D6-7ED9319A48EB}"/>
+              </a:ext>
+            </a:extLst>
+          </p:cNvPr>
           <p:cNvSpPr>
             <a:spLocks noGrp="1"/>
           </p:cNvSpPr>
@@ -1305,16 +1324,59 @@
           <a:bodyPr/>
           <a:lstStyle/>
           <a:p>
+            <a:pPr marL="0" marR="0" lvl="0" indent="0" algn="l" defTabSz="914400" rtl="0" eaLnBrk="1" fontAlgn="auto" latinLnBrk="0" hangingPunct="1">
+              <a:lnSpc>
+                <a:spcPct val="100000"/>
+              </a:lnSpc>
+              <a:spcBef>
+                <a:spcPts val="0"/>
+              </a:spcBef>
+              <a:spcAft>
+                <a:spcPts val="0"/>
+              </a:spcAft>
+              <a:buClrTx/>
+              <a:buSzTx/>
+              <a:buFontTx/>
+              <a:buNone/>
+              <a:tabLst/>
+              <a:defRPr/>
+            </a:pPr>
             <a:r>
               <a:rPr lang="en-US" dirty="0"/>
               <a:t>This is the basic implementation of the 3-tier structure in Java with some of the package details hidden.</a:t>
+            </a:r>
+            <a:br>
+              <a:rPr lang="en-US" dirty="0"/>
+            </a:br>
+            <a:br>
+              <a:rPr lang="en-US" dirty="0"/>
+            </a:br>
+            <a:r>
+              <a:rPr lang="en-US" dirty="0"/>
+              <a:t>[NEXT]</a:t>
+            </a:r>
+            <a:br>
+              <a:rPr lang="en-US" dirty="0"/>
+            </a:br>
+            <a:br>
+              <a:rPr lang="en-US" dirty="0"/>
+            </a:br>
+            <a:r>
+              <a:rPr lang="en-US" dirty="0"/>
+              <a:t>And this is the full project structure on display.</a:t>
             </a:r>
           </a:p>
         </p:txBody>
       </p:sp>
       <p:sp>
         <p:nvSpPr>
-          <p:cNvPr id="4" name="Slide Number Placeholder 3"/>
+          <p:cNvPr id="4" name="Slide Number Placeholder 3">
+            <a:extLst>
+              <a:ext uri="{FF2B5EF4-FFF2-40B4-BE49-F238E27FC236}">
+                <a16:creationId xmlns:a16="http://schemas.microsoft.com/office/drawing/2014/main" id="{90A91384-D326-F13F-431E-8DA5AA120E04}"/>
+              </a:ext>
+            </a:extLst>
+          </p:cNvPr>
           <p:cNvSpPr>
             <a:spLocks noGrp="1"/>
           </p:cNvSpPr>
@@ -1338,7 +1400,7 @@
     </p:spTree>
     <p:extLst>
       <p:ext uri="{BB962C8B-B14F-4D97-AF65-F5344CB8AC3E}">
-        <p14:creationId xmlns:p14="http://schemas.microsoft.com/office/powerpoint/2010/main" val="321455229"/>
+        <p14:creationId xmlns:p14="http://schemas.microsoft.com/office/powerpoint/2010/main" val="3612408126"/>
       </p:ext>
     </p:extLst>
   </p:cSld>
@@ -1392,7 +1454,10 @@
           <a:bodyPr/>
           <a:lstStyle/>
           <a:p>
-            <a:endParaRPr lang="en-US" dirty="0"/>
+            <a:r>
+              <a:rPr lang="en-US" dirty="0"/>
+              <a:t>[MOVE TO IDE]</a:t>
+            </a:r>
           </a:p>
         </p:txBody>
       </p:sp>
@@ -1478,7 +1543,7 @@
           <a:p>
             <a:r>
               <a:rPr lang="en-US" dirty="0"/>
-              <a:t>https://github.com/XenonReaction/Project_0-Library_Management_System</a:t>
+              <a:t>Any questions?</a:t>
             </a:r>
           </a:p>
         </p:txBody>
@@ -1501,6 +1566,93 @@
             <a:fld id="{96E09883-B744-4FDD-8623-D69A66650022}" type="slidenum">
               <a:rPr lang="en-US" smtClean="0"/>
               <a:t>8</a:t>
+            </a:fld>
+            <a:endParaRPr lang="en-US" dirty="0"/>
+          </a:p>
+        </p:txBody>
+      </p:sp>
+    </p:spTree>
+    <p:extLst>
+      <p:ext uri="{BB962C8B-B14F-4D97-AF65-F5344CB8AC3E}">
+        <p14:creationId xmlns:p14="http://schemas.microsoft.com/office/powerpoint/2010/main" val="321455229"/>
+      </p:ext>
+    </p:extLst>
+  </p:cSld>
+  <p:clrMapOvr>
+    <a:masterClrMapping/>
+  </p:clrMapOvr>
+</p:notes>
+</file>
+
+<file path=ppt/notesSlides/notesSlide9.xml><?xml version="1.0" encoding="utf-8"?>
+<p:notes xmlns:a="http://schemas.openxmlformats.org/drawingml/2006/main" xmlns:r="http://schemas.openxmlformats.org/officeDocument/2006/relationships" xmlns:p="http://schemas.openxmlformats.org/presentationml/2006/main">
+  <p:cSld>
+    <p:spTree>
+      <p:nvGrpSpPr>
+        <p:cNvPr id="1" name=""/>
+        <p:cNvGrpSpPr/>
+        <p:nvPr/>
+      </p:nvGrpSpPr>
+      <p:grpSpPr>
+        <a:xfrm>
+          <a:off x="0" y="0"/>
+          <a:ext cx="0" cy="0"/>
+          <a:chOff x="0" y="0"/>
+          <a:chExt cx="0" cy="0"/>
+        </a:xfrm>
+      </p:grpSpPr>
+      <p:sp>
+        <p:nvSpPr>
+          <p:cNvPr id="2" name="Slide Image Placeholder 1"/>
+          <p:cNvSpPr>
+            <a:spLocks noGrp="1" noRot="1" noChangeAspect="1"/>
+          </p:cNvSpPr>
+          <p:nvPr>
+            <p:ph type="sldImg"/>
+          </p:nvPr>
+        </p:nvSpPr>
+        <p:spPr/>
+      </p:sp>
+      <p:sp>
+        <p:nvSpPr>
+          <p:cNvPr id="3" name="Notes Placeholder 2"/>
+          <p:cNvSpPr>
+            <a:spLocks noGrp="1"/>
+          </p:cNvSpPr>
+          <p:nvPr>
+            <p:ph type="body" idx="1"/>
+          </p:nvPr>
+        </p:nvSpPr>
+        <p:spPr/>
+        <p:txBody>
+          <a:bodyPr/>
+          <a:lstStyle/>
+          <a:p>
+            <a:r>
+              <a:rPr lang="en-US" dirty="0"/>
+              <a:t>https://github.com/XenonReaction/Project_0-Library_Management_System</a:t>
+            </a:r>
+          </a:p>
+        </p:txBody>
+      </p:sp>
+      <p:sp>
+        <p:nvSpPr>
+          <p:cNvPr id="4" name="Slide Number Placeholder 3"/>
+          <p:cNvSpPr>
+            <a:spLocks noGrp="1"/>
+          </p:cNvSpPr>
+          <p:nvPr>
+            <p:ph type="sldNum" sz="quarter" idx="5"/>
+          </p:nvPr>
+        </p:nvSpPr>
+        <p:spPr/>
+        <p:txBody>
+          <a:bodyPr/>
+          <a:lstStyle/>
+          <a:p>
+            <a:fld id="{96E09883-B744-4FDD-8623-D69A66650022}" type="slidenum">
+              <a:rPr lang="en-US" smtClean="0"/>
+              <a:t>9</a:t>
             </a:fld>
             <a:endParaRPr lang="en-US" dirty="0"/>
           </a:p>
@@ -8789,7 +8941,7 @@
             </a:pPr>
             <a:r>
               <a:rPr lang="en-US" sz="3200" dirty="0"/>
-              <a:t>Console Based</a:t>
+              <a:t>Written in Java </a:t>
             </a:r>
           </a:p>
           <a:p>
@@ -8798,9 +8950,10 @@
               <a:buChar char="•"/>
             </a:pPr>
             <a:r>
-              <a:rPr lang="en-US" sz="3200" dirty="0"/>
-              <a:t>Written in Java</a:t>
-            </a:r>
+              <a:rPr lang="en-US" sz="3200"/>
+              <a:t>Console Based</a:t>
+            </a:r>
+            <a:endParaRPr lang="en-US" sz="3200" dirty="0"/>
           </a:p>
           <a:p>
             <a:pPr marL="342900" indent="-342900">
@@ -10385,7 +10538,13 @@
   <p:cSld>
     <p:spTree>
       <p:nvGrpSpPr>
-        <p:cNvPr id="1" name=""/>
+        <p:cNvPr id="1" name="">
+          <a:extLst>
+            <a:ext uri="{FF2B5EF4-FFF2-40B4-BE49-F238E27FC236}">
+              <a16:creationId xmlns:a16="http://schemas.microsoft.com/office/drawing/2014/main" id="{18EA910D-C396-C1F4-9F14-06E94368D397}"/>
+            </a:ext>
+          </a:extLst>
+        </p:cNvPr>
         <p:cNvGrpSpPr/>
         <p:nvPr/>
       </p:nvGrpSpPr>
@@ -10399,7 +10558,7 @@
       </p:grpSpPr>
       <p:sp>
         <p:nvSpPr>
-          <p:cNvPr id="2" name="Title 1">
+          <p:cNvPr id="5" name="Title 1">
             <a:extLst>
               <a:ext uri="{FF2B5EF4-FFF2-40B4-BE49-F238E27FC236}">
                 <a16:creationId xmlns:a16="http://schemas.microsoft.com/office/drawing/2014/main" id="{5509B1ED-4D78-65EC-0579-DA9E41D7C42C}"/>
@@ -10430,37 +10589,12 @@
           </a:p>
         </p:txBody>
       </p:sp>
-      <p:sp>
-        <p:nvSpPr>
-          <p:cNvPr id="4" name="Picture Placeholder 3">
-            <a:extLst>
-              <a:ext uri="{FF2B5EF4-FFF2-40B4-BE49-F238E27FC236}">
-                <a16:creationId xmlns:a16="http://schemas.microsoft.com/office/drawing/2014/main" id="{15A680F5-A62D-12FA-2EE5-D24827F55C7B}"/>
-              </a:ext>
-            </a:extLst>
-          </p:cNvPr>
-          <p:cNvSpPr>
-            <a:spLocks noGrp="1"/>
-          </p:cNvSpPr>
-          <p:nvPr>
-            <p:ph type="pic" sz="quarter" idx="15"/>
-          </p:nvPr>
-        </p:nvSpPr>
-        <p:spPr/>
-        <p:txBody>
-          <a:bodyPr/>
-          <a:lstStyle/>
-          <a:p>
-            <a:endParaRPr lang="en-US"/>
-          </a:p>
-        </p:txBody>
-      </p:sp>
       <p:pic>
         <p:nvPicPr>
-          <p:cNvPr id="10" name="Picture 9" descr="A screenshot of a computer program&#10;&#10;AI-generated content may be incorrect.">
+          <p:cNvPr id="9" name="Picture 8" descr="A screenshot of a computer&#10;&#10;AI-generated content may be incorrect.">
             <a:extLst>
               <a:ext uri="{FF2B5EF4-FFF2-40B4-BE49-F238E27FC236}">
-                <a16:creationId xmlns:a16="http://schemas.microsoft.com/office/drawing/2014/main" id="{F2790A50-780A-33E3-7B69-26CBD81307D5}"/>
+                <a16:creationId xmlns:a16="http://schemas.microsoft.com/office/drawing/2014/main" id="{6513A98A-4FF5-4A82-5B68-2CA3E6D6E1A0}"/>
               </a:ext>
             </a:extLst>
           </p:cNvPr>
@@ -10477,8 +10611,94 @@
         </p:blipFill>
         <p:spPr>
           <a:xfrm>
-            <a:off x="1589963" y="1411570"/>
-            <a:ext cx="3673158" cy="5052498"/>
+            <a:off x="2982551" y="1601847"/>
+            <a:ext cx="4648740" cy="4712132"/>
+          </a:xfrm>
+          <a:prstGeom prst="roundRect">
+            <a:avLst>
+              <a:gd name="adj" fmla="val 8594"/>
+            </a:avLst>
+          </a:prstGeom>
+          <a:solidFill>
+            <a:srgbClr val="FFFFFF">
+              <a:shade val="85000"/>
+            </a:srgbClr>
+          </a:solidFill>
+          <a:ln>
+            <a:noFill/>
+          </a:ln>
+          <a:effectLst>
+            <a:reflection blurRad="12700" stA="38000" endPos="28000" dist="5000" dir="5400000" sy="-100000" algn="bl" rotWithShape="0"/>
+          </a:effectLst>
+        </p:spPr>
+      </p:pic>
+      <p:pic>
+        <p:nvPicPr>
+          <p:cNvPr id="11" name="Picture 10" descr="A screenshot of a computer&#10;&#10;AI-generated content may be incorrect.">
+            <a:extLst>
+              <a:ext uri="{FF2B5EF4-FFF2-40B4-BE49-F238E27FC236}">
+                <a16:creationId xmlns:a16="http://schemas.microsoft.com/office/drawing/2014/main" id="{C83BE83A-1979-11B9-F797-E5177E656CBA}"/>
+              </a:ext>
+            </a:extLst>
+          </p:cNvPr>
+          <p:cNvPicPr>
+            <a:picLocks noChangeAspect="1"/>
+          </p:cNvPicPr>
+          <p:nvPr/>
+        </p:nvPicPr>
+        <p:blipFill>
+          <a:blip r:embed="rId4"/>
+          <a:stretch>
+            <a:fillRect/>
+          </a:stretch>
+        </p:blipFill>
+        <p:spPr>
+          <a:xfrm>
+            <a:off x="811185" y="1424043"/>
+            <a:ext cx="4961050" cy="5067739"/>
+          </a:xfrm>
+          <a:prstGeom prst="roundRect">
+            <a:avLst>
+              <a:gd name="adj" fmla="val 8594"/>
+            </a:avLst>
+          </a:prstGeom>
+          <a:solidFill>
+            <a:srgbClr val="FFFFFF">
+              <a:shade val="85000"/>
+            </a:srgbClr>
+          </a:solidFill>
+          <a:ln>
+            <a:noFill/>
+          </a:ln>
+          <a:effectLst>
+            <a:reflection blurRad="12700" stA="38000" endPos="28000" dist="5000" dir="5400000" sy="-100000" algn="bl" rotWithShape="0"/>
+          </a:effectLst>
+        </p:spPr>
+      </p:pic>
+      <p:pic>
+        <p:nvPicPr>
+          <p:cNvPr id="13" name="Picture 12" descr="A screenshot of a computer&#10;&#10;AI-generated content may be incorrect.">
+            <a:extLst>
+              <a:ext uri="{FF2B5EF4-FFF2-40B4-BE49-F238E27FC236}">
+                <a16:creationId xmlns:a16="http://schemas.microsoft.com/office/drawing/2014/main" id="{EF47E95A-1D49-5E2B-7196-E2C412149486}"/>
+              </a:ext>
+            </a:extLst>
+          </p:cNvPr>
+          <p:cNvPicPr>
+            <a:picLocks noChangeAspect="1"/>
+          </p:cNvPicPr>
+          <p:nvPr/>
+        </p:nvPicPr>
+        <p:blipFill>
+          <a:blip r:embed="rId5"/>
+          <a:stretch>
+            <a:fillRect/>
+          </a:stretch>
+        </p:blipFill>
+        <p:spPr>
+          <a:xfrm>
+            <a:off x="6514437" y="544021"/>
+            <a:ext cx="5075360" cy="6172735"/>
           </a:xfrm>
           <a:prstGeom prst="roundRect">
             <a:avLst>
@@ -10501,13 +10721,166 @@
     </p:spTree>
     <p:extLst>
       <p:ext uri="{BB962C8B-B14F-4D97-AF65-F5344CB8AC3E}">
-        <p14:creationId xmlns:p14="http://schemas.microsoft.com/office/powerpoint/2010/main" val="866310751"/>
+        <p14:creationId xmlns:p14="http://schemas.microsoft.com/office/powerpoint/2010/main" val="1865458497"/>
       </p:ext>
     </p:extLst>
   </p:cSld>
   <p:clrMapOvr>
     <a:masterClrMapping/>
   </p:clrMapOvr>
+  <p:timing>
+    <p:tnLst>
+      <p:par>
+        <p:cTn id="1" dur="indefinite" restart="never" nodeType="tmRoot">
+          <p:childTnLst>
+            <p:seq concurrent="1" nextAc="seek">
+              <p:cTn id="2" dur="indefinite" nodeType="mainSeq">
+                <p:childTnLst>
+                  <p:par>
+                    <p:cTn id="3" fill="hold">
+                      <p:stCondLst>
+                        <p:cond delay="indefinite"/>
+                      </p:stCondLst>
+                      <p:childTnLst>
+                        <p:par>
+                          <p:cTn id="4" fill="hold">
+                            <p:stCondLst>
+                              <p:cond delay="0"/>
+                            </p:stCondLst>
+                            <p:childTnLst>
+                              <p:par>
+                                <p:cTn id="5" presetID="10" presetClass="entr" presetSubtype="0" fill="hold" nodeType="clickEffect">
+                                  <p:stCondLst>
+                                    <p:cond delay="0"/>
+                                  </p:stCondLst>
+                                  <p:childTnLst>
+                                    <p:set>
+                                      <p:cBhvr>
+                                        <p:cTn id="6" dur="1" fill="hold">
+                                          <p:stCondLst>
+                                            <p:cond delay="0"/>
+                                          </p:stCondLst>
+                                        </p:cTn>
+                                        <p:tgtEl>
+                                          <p:spTgt spid="11"/>
+                                        </p:tgtEl>
+                                        <p:attrNameLst>
+                                          <p:attrName>style.visibility</p:attrName>
+                                        </p:attrNameLst>
+                                      </p:cBhvr>
+                                      <p:to>
+                                        <p:strVal val="visible"/>
+                                      </p:to>
+                                    </p:set>
+                                    <p:animEffect transition="in" filter="fade">
+                                      <p:cBhvr>
+                                        <p:cTn id="7" dur="500"/>
+                                        <p:tgtEl>
+                                          <p:spTgt spid="11"/>
+                                        </p:tgtEl>
+                                      </p:cBhvr>
+                                    </p:animEffect>
+                                  </p:childTnLst>
+                                </p:cTn>
+                              </p:par>
+                              <p:par>
+                                <p:cTn id="8" presetID="10" presetClass="entr" presetSubtype="0" fill="hold" nodeType="withEffect">
+                                  <p:stCondLst>
+                                    <p:cond delay="0"/>
+                                  </p:stCondLst>
+                                  <p:childTnLst>
+                                    <p:set>
+                                      <p:cBhvr>
+                                        <p:cTn id="9" dur="1" fill="hold">
+                                          <p:stCondLst>
+                                            <p:cond delay="0"/>
+                                          </p:stCondLst>
+                                        </p:cTn>
+                                        <p:tgtEl>
+                                          <p:spTgt spid="13"/>
+                                        </p:tgtEl>
+                                        <p:attrNameLst>
+                                          <p:attrName>style.visibility</p:attrName>
+                                        </p:attrNameLst>
+                                      </p:cBhvr>
+                                      <p:to>
+                                        <p:strVal val="visible"/>
+                                      </p:to>
+                                    </p:set>
+                                    <p:animEffect transition="in" filter="fade">
+                                      <p:cBhvr>
+                                        <p:cTn id="10" dur="500"/>
+                                        <p:tgtEl>
+                                          <p:spTgt spid="13"/>
+                                        </p:tgtEl>
+                                      </p:cBhvr>
+                                    </p:animEffect>
+                                  </p:childTnLst>
+                                </p:cTn>
+                              </p:par>
+                              <p:par>
+                                <p:cTn id="11" presetID="10" presetClass="exit" presetSubtype="0" fill="hold" nodeType="withEffect">
+                                  <p:stCondLst>
+                                    <p:cond delay="0"/>
+                                  </p:stCondLst>
+                                  <p:childTnLst>
+                                    <p:animEffect transition="out" filter="fade">
+                                      <p:cBhvr>
+                                        <p:cTn id="12" dur="500"/>
+                                        <p:tgtEl>
+                                          <p:spTgt spid="9"/>
+                                        </p:tgtEl>
+                                      </p:cBhvr>
+                                    </p:animEffect>
+                                    <p:set>
+                                      <p:cBhvr>
+                                        <p:cTn id="13" dur="1" fill="hold">
+                                          <p:stCondLst>
+                                            <p:cond delay="499"/>
+                                          </p:stCondLst>
+                                        </p:cTn>
+                                        <p:tgtEl>
+                                          <p:spTgt spid="9"/>
+                                        </p:tgtEl>
+                                        <p:attrNameLst>
+                                          <p:attrName>style.visibility</p:attrName>
+                                        </p:attrNameLst>
+                                      </p:cBhvr>
+                                      <p:to>
+                                        <p:strVal val="hidden"/>
+                                      </p:to>
+                                    </p:set>
+                                  </p:childTnLst>
+                                </p:cTn>
+                              </p:par>
+                            </p:childTnLst>
+                          </p:cTn>
+                        </p:par>
+                      </p:childTnLst>
+                    </p:cTn>
+                  </p:par>
+                </p:childTnLst>
+              </p:cTn>
+              <p:prevCondLst>
+                <p:cond evt="onPrev" delay="0">
+                  <p:tgtEl>
+                    <p:sldTgt/>
+                  </p:tgtEl>
+                </p:cond>
+              </p:prevCondLst>
+              <p:nextCondLst>
+                <p:cond evt="onNext" delay="0">
+                  <p:tgtEl>
+                    <p:sldTgt/>
+                  </p:tgtEl>
+                </p:cond>
+              </p:nextCondLst>
+            </p:seq>
+          </p:childTnLst>
+        </p:cTn>
+      </p:par>
+    </p:tnLst>
+  </p:timing>
 </p:sld>
 </file>
 
@@ -10575,6 +10948,116 @@
 </file>
 
 <file path=ppt/slides/slide8.xml><?xml version="1.0" encoding="utf-8"?>
+<p:sld xmlns:a="http://schemas.openxmlformats.org/drawingml/2006/main" xmlns:r="http://schemas.openxmlformats.org/officeDocument/2006/relationships" xmlns:p="http://schemas.openxmlformats.org/presentationml/2006/main">
+  <p:cSld>
+    <p:spTree>
+      <p:nvGrpSpPr>
+        <p:cNvPr id="1" name=""/>
+        <p:cNvGrpSpPr/>
+        <p:nvPr/>
+      </p:nvGrpSpPr>
+      <p:grpSpPr>
+        <a:xfrm>
+          <a:off x="0" y="0"/>
+          <a:ext cx="0" cy="0"/>
+          <a:chOff x="0" y="0"/>
+          <a:chExt cx="0" cy="0"/>
+        </a:xfrm>
+      </p:grpSpPr>
+      <p:sp>
+        <p:nvSpPr>
+          <p:cNvPr id="4" name="Picture Placeholder 3">
+            <a:extLst>
+              <a:ext uri="{FF2B5EF4-FFF2-40B4-BE49-F238E27FC236}">
+                <a16:creationId xmlns:a16="http://schemas.microsoft.com/office/drawing/2014/main" id="{15A680F5-A62D-12FA-2EE5-D24827F55C7B}"/>
+              </a:ext>
+            </a:extLst>
+          </p:cNvPr>
+          <p:cNvSpPr>
+            <a:spLocks noGrp="1"/>
+          </p:cNvSpPr>
+          <p:nvPr>
+            <p:ph type="pic" sz="quarter" idx="15"/>
+          </p:nvPr>
+        </p:nvSpPr>
+        <p:spPr/>
+        <p:txBody>
+          <a:bodyPr/>
+          <a:lstStyle/>
+          <a:p>
+            <a:endParaRPr lang="en-US"/>
+          </a:p>
+        </p:txBody>
+      </p:sp>
+      <p:sp>
+        <p:nvSpPr>
+          <p:cNvPr id="3" name="Title 3">
+            <a:extLst>
+              <a:ext uri="{FF2B5EF4-FFF2-40B4-BE49-F238E27FC236}">
+                <a16:creationId xmlns:a16="http://schemas.microsoft.com/office/drawing/2014/main" id="{BB42601B-B8F3-CD8D-2DC9-3F73872D37D4}"/>
+              </a:ext>
+            </a:extLst>
+          </p:cNvPr>
+          <p:cNvSpPr txBox="1">
+            <a:spLocks/>
+          </p:cNvSpPr>
+          <p:nvPr/>
+        </p:nvSpPr>
+        <p:spPr>
+          <a:xfrm>
+            <a:off x="858062" y="2170373"/>
+            <a:ext cx="8180412" cy="1828800"/>
+          </a:xfrm>
+          <a:prstGeom prst="rect">
+            <a:avLst/>
+          </a:prstGeom>
+        </p:spPr>
+        <p:txBody>
+          <a:bodyPr vert="horz" lIns="0" tIns="0" rIns="0" bIns="0" rtlCol="0" anchor="b">
+            <a:noAutofit/>
+          </a:bodyPr>
+          <a:lstStyle>
+            <a:lvl1pPr algn="l" defTabSz="914400" rtl="0" eaLnBrk="1" latinLnBrk="0" hangingPunct="1">
+              <a:lnSpc>
+                <a:spcPct val="90000"/>
+              </a:lnSpc>
+              <a:spcBef>
+                <a:spcPct val="0"/>
+              </a:spcBef>
+              <a:buNone/>
+              <a:defRPr sz="5400" b="1" i="0" kern="1200" spc="100" baseline="0">
+                <a:solidFill>
+                  <a:schemeClr val="bg1"/>
+                </a:solidFill>
+                <a:latin typeface="+mj-lt"/>
+                <a:ea typeface="+mj-ea"/>
+                <a:cs typeface="Arial Black" panose="020B0604020202020204" pitchFamily="34" charset="0"/>
+              </a:defRPr>
+            </a:lvl1pPr>
+          </a:lstStyle>
+          <a:p>
+            <a:r>
+              <a:rPr lang="en-US" sz="6600"/>
+              <a:t>Q &amp; A</a:t>
+            </a:r>
+            <a:endParaRPr lang="en-US" sz="6600" dirty="0"/>
+          </a:p>
+        </p:txBody>
+      </p:sp>
+    </p:spTree>
+    <p:extLst>
+      <p:ext uri="{BB962C8B-B14F-4D97-AF65-F5344CB8AC3E}">
+        <p14:creationId xmlns:p14="http://schemas.microsoft.com/office/powerpoint/2010/main" val="866310751"/>
+      </p:ext>
+    </p:extLst>
+  </p:cSld>
+  <p:clrMapOvr>
+    <a:masterClrMapping/>
+  </p:clrMapOvr>
+</p:sld>
+</file>
+
+<file path=ppt/slides/slide9.xml><?xml version="1.0" encoding="utf-8"?>
 <p:sld xmlns:a="http://schemas.openxmlformats.org/drawingml/2006/main" xmlns:r="http://schemas.openxmlformats.org/officeDocument/2006/relationships" xmlns:p="http://schemas.openxmlformats.org/presentationml/2006/main">
   <p:cSld>
     <p:spTree>
@@ -11503,6 +11986,15 @@
 </file>
 
 <file path=customXml/item1.xml><?xml version="1.0" encoding="utf-8"?>
+<?mso-contentType ?>
+<FormTemplates xmlns="http://schemas.microsoft.com/sharepoint/v3/contenttype/forms">
+  <Display>DocumentLibraryForm</Display>
+  <Edit>DocumentLibraryForm</Edit>
+  <New>DocumentLibraryForm</New>
+</FormTemplates>
+</file>
+
+<file path=customXml/item2.xml><?xml version="1.0" encoding="utf-8"?>
 <p:properties xmlns:p="http://schemas.microsoft.com/office/2006/metadata/properties" xmlns:xsi="http://www.w3.org/2001/XMLSchema-instance" xmlns:pc="http://schemas.microsoft.com/office/infopath/2007/PartnerControls">
   <documentManagement>
     <_ip_UnifiedCompliancePolicyUIAction xmlns="http://schemas.microsoft.com/sharepoint/v3" xsi:nil="true"/>
@@ -11520,15 +12012,6 @@
     <MediaServiceKeyPoints xmlns="71af3243-3dd4-4a8d-8c0d-dd76da1f02a5" xsi:nil="true"/>
   </documentManagement>
 </p:properties>
-</file>
-
-<file path=customXml/item2.xml><?xml version="1.0" encoding="utf-8"?>
-<?mso-contentType ?>
-<FormTemplates xmlns="http://schemas.microsoft.com/sharepoint/v3/contenttype/forms">
-  <Display>DocumentLibraryForm</Display>
-  <Edit>DocumentLibraryForm</Edit>
-  <New>DocumentLibraryForm</New>
-</FormTemplates>
 </file>
 
 <file path=customXml/item3.xml><?xml version="1.0" encoding="utf-8"?>
@@ -11844,6 +12327,14 @@
 </file>
 
 <file path=customXml/itemProps1.xml><?xml version="1.0" encoding="utf-8"?>
+<ds:datastoreItem xmlns:ds="http://schemas.openxmlformats.org/officeDocument/2006/customXml" ds:itemID="{85B6D968-3BA5-45CA-AFA4-01F84FB04FAA}">
+  <ds:schemaRefs>
+    <ds:schemaRef ds:uri="http://schemas.microsoft.com/sharepoint/v3/contenttype/forms"/>
+  </ds:schemaRefs>
+</ds:datastoreItem>
+</file>
+
+<file path=customXml/itemProps2.xml><?xml version="1.0" encoding="utf-8"?>
 <ds:datastoreItem xmlns:ds="http://schemas.openxmlformats.org/officeDocument/2006/customXml" ds:itemID="{677C52C5-6F65-4D42-B855-A3283C55581A}">
   <ds:schemaRefs>
     <ds:schemaRef ds:uri="http://schemas.microsoft.com/office/2006/metadata/properties"/>
@@ -11851,14 +12342,6 @@
     <ds:schemaRef ds:uri="http://schemas.microsoft.com/sharepoint/v3"/>
     <ds:schemaRef ds:uri="71af3243-3dd4-4a8d-8c0d-dd76da1f02a5"/>
     <ds:schemaRef ds:uri="230e9df3-be65-4c73-a93b-d1236ebd677e"/>
-  </ds:schemaRefs>
-</ds:datastoreItem>
-</file>
-
-<file path=customXml/itemProps2.xml><?xml version="1.0" encoding="utf-8"?>
-<ds:datastoreItem xmlns:ds="http://schemas.openxmlformats.org/officeDocument/2006/customXml" ds:itemID="{85B6D968-3BA5-45CA-AFA4-01F84FB04FAA}">
-  <ds:schemaRefs>
-    <ds:schemaRef ds:uri="http://schemas.microsoft.com/sharepoint/v3/contenttype/forms"/>
   </ds:schemaRefs>
 </ds:datastoreItem>
 </file>
